--- a/Slides/MissionMars/8 - WebChat and Backchannel.pptx
+++ b/Slides/MissionMars/8 - WebChat and Backchannel.pptx
@@ -275,7 +275,7 @@
               <a:pPr>
                 <a:defRPr/>
               </a:pPr>
-              <a:t>6/20/2017</a:t>
+              <a:t>9/23/2017</a:t>
             </a:fld>
             <a:endParaRPr lang="en-US"/>
           </a:p>
@@ -485,7 +485,7 @@
               <a:pPr>
                 <a:defRPr/>
               </a:pPr>
-              <a:t>6/20/2017</a:t>
+              <a:t>9/23/2017</a:t>
             </a:fld>
             <a:endParaRPr lang="en-US"/>
           </a:p>
@@ -801,6 +801,108 @@
     </a:lvl9pPr>
   </p:notesStyle>
 </p:notesMaster>
+</file>
+
+<file path=ppt/notesSlides/notesSlide1.xml><?xml version="1.0" encoding="utf-8"?>
+<p:notes xmlns:a="http://schemas.openxmlformats.org/drawingml/2006/main" xmlns:r="http://schemas.openxmlformats.org/officeDocument/2006/relationships" xmlns:p="http://schemas.openxmlformats.org/presentationml/2006/main">
+  <p:cSld>
+    <p:spTree>
+      <p:nvGrpSpPr>
+        <p:cNvPr id="1" name=""/>
+        <p:cNvGrpSpPr/>
+        <p:nvPr/>
+      </p:nvGrpSpPr>
+      <p:grpSpPr>
+        <a:xfrm>
+          <a:off x="0" y="0"/>
+          <a:ext cx="0" cy="0"/>
+          <a:chOff x="0" y="0"/>
+          <a:chExt cx="0" cy="0"/>
+        </a:xfrm>
+      </p:grpSpPr>
+      <p:sp>
+        <p:nvSpPr>
+          <p:cNvPr id="2" name="Slide Image Placeholder 1"/>
+          <p:cNvSpPr>
+            <a:spLocks noGrp="1" noRot="1" noChangeAspect="1"/>
+          </p:cNvSpPr>
+          <p:nvPr>
+            <p:ph type="sldImg"/>
+          </p:nvPr>
+        </p:nvSpPr>
+        <p:spPr/>
+      </p:sp>
+      <p:sp>
+        <p:nvSpPr>
+          <p:cNvPr id="3" name="Notes Placeholder 2"/>
+          <p:cNvSpPr>
+            <a:spLocks noGrp="1"/>
+          </p:cNvSpPr>
+          <p:nvPr>
+            <p:ph type="body" idx="1"/>
+          </p:nvPr>
+        </p:nvSpPr>
+        <p:spPr/>
+        <p:txBody>
+          <a:bodyPr/>
+          <a:lstStyle/>
+          <a:p>
+            <a:r>
+              <a:rPr lang="en-US" sz="1200" b="0" i="0" kern="1200" dirty="0">
+                <a:solidFill>
+                  <a:schemeClr val="tx1"/>
+                </a:solidFill>
+                <a:effectLst/>
+                <a:latin typeface="+mn-lt"/>
+                <a:ea typeface="+mn-ea"/>
+                <a:cs typeface="+mn-cs"/>
+              </a:rPr>
+              <a:t>The backchannel mechanism allows a client app and the bot to exchange information that is invisible to the user. Examples of this could be from requesting the client's time zone to reading a GPS location or what the user is doing on a web page. The bot can even guide the user by automatically filling out parts of a web form and so on. The backchannel closes the gap between JavaScript client apps and bots. This mechanism is implemented by using the Direct Line API, which allows activities to be sent back and forth between the client and the bot.</a:t>
+            </a:r>
+            <a:endParaRPr lang="en-US" dirty="0"/>
+          </a:p>
+        </p:txBody>
+      </p:sp>
+      <p:sp>
+        <p:nvSpPr>
+          <p:cNvPr id="4" name="Slide Number Placeholder 3"/>
+          <p:cNvSpPr>
+            <a:spLocks noGrp="1"/>
+          </p:cNvSpPr>
+          <p:nvPr>
+            <p:ph type="sldNum" sz="quarter" idx="10"/>
+          </p:nvPr>
+        </p:nvSpPr>
+        <p:spPr/>
+        <p:txBody>
+          <a:bodyPr/>
+          <a:lstStyle/>
+          <a:p>
+            <a:pPr>
+              <a:defRPr/>
+            </a:pPr>
+            <a:fld id="{AF10E134-862A-8E4B-A266-49476BE2FDF7}" type="slidenum">
+              <a:rPr lang="en-US" smtClean="0"/>
+              <a:pPr>
+                <a:defRPr/>
+              </a:pPr>
+              <a:t>1</a:t>
+            </a:fld>
+            <a:endParaRPr lang="en-US"/>
+          </a:p>
+        </p:txBody>
+      </p:sp>
+    </p:spTree>
+    <p:extLst>
+      <p:ext uri="{BB962C8B-B14F-4D97-AF65-F5344CB8AC3E}">
+        <p14:creationId xmlns:p14="http://schemas.microsoft.com/office/powerpoint/2010/main" val="297372468"/>
+      </p:ext>
+    </p:extLst>
+  </p:cSld>
+  <p:clrMapOvr>
+    <a:masterClrMapping/>
+  </p:clrMapOvr>
+</p:notes>
 </file>
 
 <file path=ppt/slideLayouts/slideLayout1.xml><?xml version="1.0" encoding="utf-8"?>
@@ -1982,7 +2084,7 @@
               <a:pPr>
                 <a:defRPr/>
               </a:pPr>
-              <a:t>6/20/2017</a:t>
+              <a:t>9/23/2017</a:t>
             </a:fld>
             <a:endParaRPr lang="en-US"/>
           </a:p>
@@ -2206,7 +2308,7 @@
               <a:pPr>
                 <a:defRPr/>
               </a:pPr>
-              <a:t>6/20/2017</a:t>
+              <a:t>9/23/2017</a:t>
             </a:fld>
             <a:endParaRPr lang="en-US"/>
           </a:p>
@@ -14194,7 +14296,7 @@
               <a:pPr>
                 <a:defRPr/>
               </a:pPr>
-              <a:t>6/20/2017</a:t>
+              <a:t>9/23/2017</a:t>
             </a:fld>
             <a:endParaRPr lang="en-US"/>
           </a:p>
@@ -16098,7 +16200,7 @@
               <a:pPr>
                 <a:defRPr/>
               </a:pPr>
-              <a:t>6/20/2017</a:t>
+              <a:t>9/23/2017</a:t>
             </a:fld>
             <a:endParaRPr lang="en-US"/>
           </a:p>
@@ -17859,7 +17961,7 @@
               <a:pPr>
                 <a:defRPr/>
               </a:pPr>
-              <a:t>6/20/2017</a:t>
+              <a:t>9/23/2017</a:t>
             </a:fld>
             <a:endParaRPr lang="en-US"/>
           </a:p>
@@ -18901,7 +19003,7 @@
               <a:pPr>
                 <a:defRPr/>
               </a:pPr>
-              <a:t>6/20/2017</a:t>
+              <a:t>9/23/2017</a:t>
             </a:fld>
             <a:endParaRPr lang="en-US"/>
           </a:p>
@@ -19228,7 +19330,7 @@
               <a:pPr>
                 <a:defRPr/>
               </a:pPr>
-              <a:t>6/20/2017</a:t>
+              <a:t>9/23/2017</a:t>
             </a:fld>
             <a:endParaRPr lang="en-US"/>
           </a:p>
@@ -20416,7 +20518,7 @@
               <a:pPr>
                 <a:defRPr/>
               </a:pPr>
-              <a:t>6/20/2017</a:t>
+              <a:t>9/23/2017</a:t>
             </a:fld>
             <a:endParaRPr lang="en-US"/>
           </a:p>
@@ -21621,7 +21723,7 @@
               <a:pPr>
                 <a:defRPr/>
               </a:pPr>
-              <a:t>6/20/2017</a:t>
+              <a:t>9/23/2017</a:t>
             </a:fld>
             <a:endParaRPr lang="en-US"/>
           </a:p>
@@ -21779,7 +21881,7 @@
               </a14:hiddenLine>
             </a:ext>
             <a:ext uri="{FAA26D3D-D897-4be2-8F04-BA451C77F1D7}">
-              <ma14:placeholderFlag xmlns:ma14="http://schemas.microsoft.com/office/mac/drawingml/2011/main" xmlns="" val="1"/>
+              <ma14:placeholderFlag xmlns="" xmlns:ma14="http://schemas.microsoft.com/office/mac/drawingml/2011/main" val="1"/>
             </a:ext>
           </a:extLst>
         </p:spPr>
@@ -21840,7 +21942,7 @@
               </a14:hiddenLine>
             </a:ext>
             <a:ext uri="{FAA26D3D-D897-4be2-8F04-BA451C77F1D7}">
-              <ma14:placeholderFlag xmlns:ma14="http://schemas.microsoft.com/office/mac/drawingml/2011/main" xmlns="" val="1"/>
+              <ma14:placeholderFlag xmlns="" xmlns:ma14="http://schemas.microsoft.com/office/mac/drawingml/2011/main" val="1"/>
             </a:ext>
           </a:extLst>
         </p:spPr>
@@ -21938,7 +22040,7 @@
               <a:pPr>
                 <a:defRPr/>
               </a:pPr>
-              <a:t>6/20/2017</a:t>
+              <a:t>9/23/2017</a:t>
             </a:fld>
             <a:endParaRPr lang="en-US"/>
           </a:p>
@@ -22560,7 +22662,7 @@
 </file>
 
 <file path=ppt/slides/slide10.xml><?xml version="1.0" encoding="utf-8"?>
-<p:sld xmlns:a="http://schemas.openxmlformats.org/drawingml/2006/main" xmlns:r="http://schemas.openxmlformats.org/officeDocument/2006/relationships" xmlns:p="http://schemas.openxmlformats.org/presentationml/2006/main">
+<p:sld xmlns:a="http://schemas.openxmlformats.org/drawingml/2006/main" xmlns:r="http://schemas.openxmlformats.org/officeDocument/2006/relationships" xmlns:p="http://schemas.openxmlformats.org/presentationml/2006/main" show="0">
   <p:cSld>
     <p:spTree>
       <p:nvGrpSpPr>
@@ -22678,7 +22780,7 @@
 </file>
 
 <file path=ppt/slides/slide11.xml><?xml version="1.0" encoding="utf-8"?>
-<p:sld xmlns:a="http://schemas.openxmlformats.org/drawingml/2006/main" xmlns:r="http://schemas.openxmlformats.org/officeDocument/2006/relationships" xmlns:p="http://schemas.openxmlformats.org/presentationml/2006/main">
+<p:sld xmlns:a="http://schemas.openxmlformats.org/drawingml/2006/main" xmlns:r="http://schemas.openxmlformats.org/officeDocument/2006/relationships" xmlns:p="http://schemas.openxmlformats.org/presentationml/2006/main" show="0">
   <p:cSld>
     <p:spTree>
       <p:nvGrpSpPr>
@@ -22746,8 +22848,8 @@
           </a:p>
         </p:txBody>
       </p:sp>
-      <mc:AlternateContent xmlns:mc="http://schemas.openxmlformats.org/markup-compatibility/2006">
-        <mc:Choice xmlns:we="http://schemas.microsoft.com/office/webextensions/webextension/2010/11" xmlns:pca="http://schemas.microsoft.com/office/powerpoint/2013/contentapp" Requires="we pca">
+      <mc:AlternateContent xmlns:mc="http://schemas.openxmlformats.org/markup-compatibility/2006" xmlns:we="http://schemas.microsoft.com/office/webextensions/webextension/2010/11" xmlns:pca="http://schemas.microsoft.com/office/powerpoint/2013/contentapp">
+        <mc:Choice Requires="we pca">
           <p:graphicFrame>
             <p:nvGraphicFramePr>
               <p:cNvPr id="4" name="Add-in 3" title="Code Presenter Pro"/>
@@ -22769,7 +22871,7 @@
             </a:graphic>
           </p:graphicFrame>
         </mc:Choice>
-        <mc:Fallback>
+        <mc:Fallback xmlns="">
           <p:pic>
             <p:nvPicPr>
               <p:cNvPr id="4" name="Add-in 3" title="Code Presenter Pro"/>
@@ -22810,7 +22912,7 @@
 </file>
 
 <file path=ppt/slides/slide12.xml><?xml version="1.0" encoding="utf-8"?>
-<p:sld xmlns:a="http://schemas.openxmlformats.org/drawingml/2006/main" xmlns:r="http://schemas.openxmlformats.org/officeDocument/2006/relationships" xmlns:p="http://schemas.openxmlformats.org/presentationml/2006/main">
+<p:sld xmlns:a="http://schemas.openxmlformats.org/drawingml/2006/main" xmlns:r="http://schemas.openxmlformats.org/officeDocument/2006/relationships" xmlns:p="http://schemas.openxmlformats.org/presentationml/2006/main" show="0">
   <p:cSld>
     <p:spTree>
       <p:nvGrpSpPr>
@@ -22858,13 +22960,13 @@
   <p:clrMapOvr>
     <a:masterClrMapping/>
   </p:clrMapOvr>
-  <mc:AlternateContent xmlns:mc="http://schemas.openxmlformats.org/markup-compatibility/2006" xmlns:p14="http://schemas.microsoft.com/office/powerpoint/2010/main">
-    <mc:Choice Requires="p14">
+  <mc:AlternateContent xmlns:mc="http://schemas.openxmlformats.org/markup-compatibility/2006">
+    <mc:Choice xmlns:p14="http://schemas.microsoft.com/office/powerpoint/2010/main" Requires="p14">
       <p:transition spd="slow" p14:dur="3400">
         <p14:reveal/>
       </p:transition>
     </mc:Choice>
-    <mc:Fallback xmlns="">
+    <mc:Fallback>
       <p:transition spd="slow">
         <p:fade/>
       </p:transition>
@@ -23673,7 +23775,7 @@
 </file>
 
 <file path=ppt/slides/slide4.xml><?xml version="1.0" encoding="utf-8"?>
-<p:sld xmlns:a="http://schemas.openxmlformats.org/drawingml/2006/main" xmlns:r="http://schemas.openxmlformats.org/officeDocument/2006/relationships" xmlns:p="http://schemas.openxmlformats.org/presentationml/2006/main">
+<p:sld xmlns:a="http://schemas.openxmlformats.org/drawingml/2006/main" xmlns:r="http://schemas.openxmlformats.org/officeDocument/2006/relationships" xmlns:p="http://schemas.openxmlformats.org/presentationml/2006/main" show="0">
   <p:cSld>
     <p:spTree>
       <p:nvGrpSpPr>
@@ -23726,13 +23828,13 @@
   <p:clrMapOvr>
     <a:masterClrMapping/>
   </p:clrMapOvr>
-  <mc:AlternateContent xmlns:mc="http://schemas.openxmlformats.org/markup-compatibility/2006" xmlns:p14="http://schemas.microsoft.com/office/powerpoint/2010/main">
-    <mc:Choice Requires="p14">
+  <mc:AlternateContent xmlns:mc="http://schemas.openxmlformats.org/markup-compatibility/2006">
+    <mc:Choice xmlns:p14="http://schemas.microsoft.com/office/powerpoint/2010/main" Requires="p14">
       <p:transition spd="slow" p14:dur="3400">
         <p14:reveal/>
       </p:transition>
     </mc:Choice>
-    <mc:Fallback xmlns="">
+    <mc:Fallback>
       <p:transition spd="slow">
         <p:fade/>
       </p:transition>
@@ -23742,7 +23844,7 @@
 </file>
 
 <file path=ppt/slides/slide5.xml><?xml version="1.0" encoding="utf-8"?>
-<p:sld xmlns:a="http://schemas.openxmlformats.org/drawingml/2006/main" xmlns:r="http://schemas.openxmlformats.org/officeDocument/2006/relationships" xmlns:p="http://schemas.openxmlformats.org/presentationml/2006/main">
+<p:sld xmlns:a="http://schemas.openxmlformats.org/drawingml/2006/main" xmlns:r="http://schemas.openxmlformats.org/officeDocument/2006/relationships" xmlns:p="http://schemas.openxmlformats.org/presentationml/2006/main" show="0">
   <p:cSld>
     <p:spTree>
       <p:nvGrpSpPr>
@@ -23842,7 +23944,7 @@
 </file>
 
 <file path=ppt/slides/slide6.xml><?xml version="1.0" encoding="utf-8"?>
-<p:sld xmlns:a="http://schemas.openxmlformats.org/drawingml/2006/main" xmlns:r="http://schemas.openxmlformats.org/officeDocument/2006/relationships" xmlns:p="http://schemas.openxmlformats.org/presentationml/2006/main">
+<p:sld xmlns:a="http://schemas.openxmlformats.org/drawingml/2006/main" xmlns:r="http://schemas.openxmlformats.org/officeDocument/2006/relationships" xmlns:p="http://schemas.openxmlformats.org/presentationml/2006/main" show="0">
   <p:cSld>
     <p:spTree>
       <p:nvGrpSpPr>
@@ -24255,7 +24357,7 @@
 </file>
 
 <file path=ppt/slides/slide7.xml><?xml version="1.0" encoding="utf-8"?>
-<p:sld xmlns:a="http://schemas.openxmlformats.org/drawingml/2006/main" xmlns:r="http://schemas.openxmlformats.org/officeDocument/2006/relationships" xmlns:p="http://schemas.openxmlformats.org/presentationml/2006/main">
+<p:sld xmlns:a="http://schemas.openxmlformats.org/drawingml/2006/main" xmlns:r="http://schemas.openxmlformats.org/officeDocument/2006/relationships" xmlns:p="http://schemas.openxmlformats.org/presentationml/2006/main" show="0">
   <p:cSld>
     <p:spTree>
       <p:nvGrpSpPr>
@@ -24451,7 +24553,7 @@
 </file>
 
 <file path=ppt/slides/slide8.xml><?xml version="1.0" encoding="utf-8"?>
-<p:sld xmlns:a="http://schemas.openxmlformats.org/drawingml/2006/main" xmlns:r="http://schemas.openxmlformats.org/officeDocument/2006/relationships" xmlns:p="http://schemas.openxmlformats.org/presentationml/2006/main">
+<p:sld xmlns:a="http://schemas.openxmlformats.org/drawingml/2006/main" xmlns:r="http://schemas.openxmlformats.org/officeDocument/2006/relationships" xmlns:p="http://schemas.openxmlformats.org/presentationml/2006/main" show="0">
   <p:cSld>
     <p:spTree>
       <p:nvGrpSpPr>
@@ -26680,7 +26782,7 @@
 </file>
 
 <file path=ppt/slides/slide9.xml><?xml version="1.0" encoding="utf-8"?>
-<p:sld xmlns:a="http://schemas.openxmlformats.org/drawingml/2006/main" xmlns:r="http://schemas.openxmlformats.org/officeDocument/2006/relationships" xmlns:p="http://schemas.openxmlformats.org/presentationml/2006/main">
+<p:sld xmlns:a="http://schemas.openxmlformats.org/drawingml/2006/main" xmlns:r="http://schemas.openxmlformats.org/officeDocument/2006/relationships" xmlns:p="http://schemas.openxmlformats.org/presentationml/2006/main" show="0">
   <p:cSld>
     <p:spTree>
       <p:nvGrpSpPr>
@@ -27630,19 +27732,19 @@
 
 <file path=customXml/item1.xml><?xml version="1.0" encoding="utf-8"?>
 <Control xmlns="http://schemas.microsoft.com/VisualStudio/2011/storyboarding/control">
-  <Id Name="a2191c86-fc50-4add-948c-129f6b5a88d8" Revision="1" Stencil="7276b9ef-3953-4dce-a89b-ed85f20b8b93" StencilVersion="1.0"/>
+  <Id Name="d69996e1-3d61-4686-9b63-f1b855c596ab" Revision="1" Stencil="7276b9ef-3953-4dce-a89b-ed85f20b8b93" StencilVersion="1.0"/>
 </Control>
 </file>
 
 <file path=customXml/item2.xml><?xml version="1.0" encoding="utf-8"?>
 <Control xmlns="http://schemas.microsoft.com/VisualStudio/2011/storyboarding/control">
-  <Id Name="d69996e1-3d61-4686-9b63-f1b855c596ab" Revision="1" Stencil="7276b9ef-3953-4dce-a89b-ed85f20b8b93" StencilVersion="1.0"/>
+  <Id Name="a2191c86-fc50-4add-948c-129f6b5a88d8" Revision="1" Stencil="7276b9ef-3953-4dce-a89b-ed85f20b8b93" StencilVersion="1.0"/>
 </Control>
 </file>
 
 <file path=customXml/item3.xml><?xml version="1.0" encoding="utf-8"?>
 <Control xmlns="http://schemas.microsoft.com/VisualStudio/2011/storyboarding/control">
-  <Id Name="fb22c541-ded0-47fa-8877-83a4c2d16227" Revision="1" Stencil="7276b9ef-3953-4dce-a89b-ed85f20b8b93" StencilVersion="1.0"/>
+  <Id Name="a2191c86-fc50-4add-948c-129f6b5a88d8" Revision="1" Stencil="7276b9ef-3953-4dce-a89b-ed85f20b8b93" StencilVersion="1.0"/>
 </Control>
 </file>
 
@@ -27654,11 +27756,19 @@
 
 <file path=customXml/item5.xml><?xml version="1.0" encoding="utf-8"?>
 <Control xmlns="http://schemas.microsoft.com/VisualStudio/2011/storyboarding/control">
-  <Id Name="a2191c86-fc50-4add-948c-129f6b5a88d8" Revision="1" Stencil="7276b9ef-3953-4dce-a89b-ed85f20b8b93" StencilVersion="1.0"/>
+  <Id Name="fb22c541-ded0-47fa-8877-83a4c2d16227" Revision="1" Stencil="7276b9ef-3953-4dce-a89b-ed85f20b8b93" StencilVersion="1.0"/>
 </Control>
 </file>
 
 <file path=customXml/itemProps1.xml><?xml version="1.0" encoding="utf-8"?>
+<ds:datastoreItem xmlns:ds="http://schemas.openxmlformats.org/officeDocument/2006/customXml" ds:itemID="{C0F92A87-A216-45A9-B9C0-0515663D35BF}">
+  <ds:schemaRefs>
+    <ds:schemaRef ds:uri="http://schemas.microsoft.com/VisualStudio/2011/storyboarding/control"/>
+  </ds:schemaRefs>
+</ds:datastoreItem>
+</file>
+
+<file path=customXml/itemProps2.xml><?xml version="1.0" encoding="utf-8"?>
 <ds:datastoreItem xmlns:ds="http://schemas.openxmlformats.org/officeDocument/2006/customXml" ds:itemID="{D4B5F268-5930-44CD-BDF1-D0A04D4BBC1C}">
   <ds:schemaRefs>
     <ds:schemaRef ds:uri="http://schemas.microsoft.com/VisualStudio/2011/storyboarding/control"/>
@@ -27666,16 +27776,8 @@
 </ds:datastoreItem>
 </file>
 
-<file path=customXml/itemProps2.xml><?xml version="1.0" encoding="utf-8"?>
-<ds:datastoreItem xmlns:ds="http://schemas.openxmlformats.org/officeDocument/2006/customXml" ds:itemID="{C0F92A87-A216-45A9-B9C0-0515663D35BF}">
-  <ds:schemaRefs>
-    <ds:schemaRef ds:uri="http://schemas.microsoft.com/VisualStudio/2011/storyboarding/control"/>
-  </ds:schemaRefs>
-</ds:datastoreItem>
-</file>
-
 <file path=customXml/itemProps3.xml><?xml version="1.0" encoding="utf-8"?>
-<ds:datastoreItem xmlns:ds="http://schemas.openxmlformats.org/officeDocument/2006/customXml" ds:itemID="{B5105A87-47B6-44F6-97FD-4619C0556604}">
+<ds:datastoreItem xmlns:ds="http://schemas.openxmlformats.org/officeDocument/2006/customXml" ds:itemID="{0B54C583-7BAB-4080-8093-C5F84F5A225A}">
   <ds:schemaRefs>
     <ds:schemaRef ds:uri="http://schemas.microsoft.com/VisualStudio/2011/storyboarding/control"/>
   </ds:schemaRefs>
@@ -27691,7 +27793,7 @@
 </file>
 
 <file path=customXml/itemProps5.xml><?xml version="1.0" encoding="utf-8"?>
-<ds:datastoreItem xmlns:ds="http://schemas.openxmlformats.org/officeDocument/2006/customXml" ds:itemID="{0B54C583-7BAB-4080-8093-C5F84F5A225A}">
+<ds:datastoreItem xmlns:ds="http://schemas.openxmlformats.org/officeDocument/2006/customXml" ds:itemID="{B5105A87-47B6-44F6-97FD-4619C0556604}">
   <ds:schemaRefs>
     <ds:schemaRef ds:uri="http://schemas.microsoft.com/VisualStudio/2011/storyboarding/control"/>
   </ds:schemaRefs>
